--- a/figs/fig.pptx
+++ b/figs/fig.pptx
@@ -7,9 +7,11 @@
   <p:sldIdLst>
     <p:sldId id="256" r:id="rId2"/>
     <p:sldId id="257" r:id="rId3"/>
-    <p:sldId id="258" r:id="rId4"/>
-    <p:sldId id="259" r:id="rId5"/>
-    <p:sldId id="260" r:id="rId6"/>
+    <p:sldId id="261" r:id="rId4"/>
+    <p:sldId id="258" r:id="rId5"/>
+    <p:sldId id="259" r:id="rId6"/>
+    <p:sldId id="260" r:id="rId7"/>
+    <p:sldId id="262" r:id="rId8"/>
   </p:sldIdLst>
   <p:sldSz cx="12192000" cy="6858000"/>
   <p:notesSz cx="6858000" cy="9144000"/>
@@ -108,6 +110,11 @@
       </a:defRPr>
     </a:lvl9pPr>
   </p:defaultTextStyle>
+  <p:extLst>
+    <p:ext uri="{EFAFB233-063F-42B5-8137-9DF3F51BA10A}">
+      <p15:sldGuideLst xmlns:p15="http://schemas.microsoft.com/office/powerpoint/2012/main"/>
+    </p:ext>
+  </p:extLst>
 </p:presentation>
 </file>
 
@@ -258,7 +265,7 @@
           <a:p>
             <a:fld id="{87632216-C3EA-47B8-9A8D-E1132076DE3C}" type="datetimeFigureOut">
               <a:rPr lang="zh-TW" altLang="en-US" smtClean="0"/>
-              <a:t>2022/3/27</a:t>
+              <a:t>2022/4/21</a:t>
             </a:fld>
             <a:endParaRPr lang="zh-TW" altLang="en-US"/>
           </a:p>
@@ -456,7 +463,7 @@
           <a:p>
             <a:fld id="{87632216-C3EA-47B8-9A8D-E1132076DE3C}" type="datetimeFigureOut">
               <a:rPr lang="zh-TW" altLang="en-US" smtClean="0"/>
-              <a:t>2022/3/27</a:t>
+              <a:t>2022/4/21</a:t>
             </a:fld>
             <a:endParaRPr lang="zh-TW" altLang="en-US"/>
           </a:p>
@@ -664,7 +671,7 @@
           <a:p>
             <a:fld id="{87632216-C3EA-47B8-9A8D-E1132076DE3C}" type="datetimeFigureOut">
               <a:rPr lang="zh-TW" altLang="en-US" smtClean="0"/>
-              <a:t>2022/3/27</a:t>
+              <a:t>2022/4/21</a:t>
             </a:fld>
             <a:endParaRPr lang="zh-TW" altLang="en-US"/>
           </a:p>
@@ -862,7 +869,7 @@
           <a:p>
             <a:fld id="{87632216-C3EA-47B8-9A8D-E1132076DE3C}" type="datetimeFigureOut">
               <a:rPr lang="zh-TW" altLang="en-US" smtClean="0"/>
-              <a:t>2022/3/27</a:t>
+              <a:t>2022/4/21</a:t>
             </a:fld>
             <a:endParaRPr lang="zh-TW" altLang="en-US"/>
           </a:p>
@@ -1137,7 +1144,7 @@
           <a:p>
             <a:fld id="{87632216-C3EA-47B8-9A8D-E1132076DE3C}" type="datetimeFigureOut">
               <a:rPr lang="zh-TW" altLang="en-US" smtClean="0"/>
-              <a:t>2022/3/27</a:t>
+              <a:t>2022/4/21</a:t>
             </a:fld>
             <a:endParaRPr lang="zh-TW" altLang="en-US"/>
           </a:p>
@@ -1402,7 +1409,7 @@
           <a:p>
             <a:fld id="{87632216-C3EA-47B8-9A8D-E1132076DE3C}" type="datetimeFigureOut">
               <a:rPr lang="zh-TW" altLang="en-US" smtClean="0"/>
-              <a:t>2022/3/27</a:t>
+              <a:t>2022/4/21</a:t>
             </a:fld>
             <a:endParaRPr lang="zh-TW" altLang="en-US"/>
           </a:p>
@@ -1814,7 +1821,7 @@
           <a:p>
             <a:fld id="{87632216-C3EA-47B8-9A8D-E1132076DE3C}" type="datetimeFigureOut">
               <a:rPr lang="zh-TW" altLang="en-US" smtClean="0"/>
-              <a:t>2022/3/27</a:t>
+              <a:t>2022/4/21</a:t>
             </a:fld>
             <a:endParaRPr lang="zh-TW" altLang="en-US"/>
           </a:p>
@@ -1955,7 +1962,7 @@
           <a:p>
             <a:fld id="{87632216-C3EA-47B8-9A8D-E1132076DE3C}" type="datetimeFigureOut">
               <a:rPr lang="zh-TW" altLang="en-US" smtClean="0"/>
-              <a:t>2022/3/27</a:t>
+              <a:t>2022/4/21</a:t>
             </a:fld>
             <a:endParaRPr lang="zh-TW" altLang="en-US"/>
           </a:p>
@@ -2068,7 +2075,7 @@
           <a:p>
             <a:fld id="{87632216-C3EA-47B8-9A8D-E1132076DE3C}" type="datetimeFigureOut">
               <a:rPr lang="zh-TW" altLang="en-US" smtClean="0"/>
-              <a:t>2022/3/27</a:t>
+              <a:t>2022/4/21</a:t>
             </a:fld>
             <a:endParaRPr lang="zh-TW" altLang="en-US"/>
           </a:p>
@@ -2379,7 +2386,7 @@
           <a:p>
             <a:fld id="{87632216-C3EA-47B8-9A8D-E1132076DE3C}" type="datetimeFigureOut">
               <a:rPr lang="zh-TW" altLang="en-US" smtClean="0"/>
-              <a:t>2022/3/27</a:t>
+              <a:t>2022/4/21</a:t>
             </a:fld>
             <a:endParaRPr lang="zh-TW" altLang="en-US"/>
           </a:p>
@@ -2667,7 +2674,7 @@
           <a:p>
             <a:fld id="{87632216-C3EA-47B8-9A8D-E1132076DE3C}" type="datetimeFigureOut">
               <a:rPr lang="zh-TW" altLang="en-US" smtClean="0"/>
-              <a:t>2022/3/27</a:t>
+              <a:t>2022/4/21</a:t>
             </a:fld>
             <a:endParaRPr lang="zh-TW" altLang="en-US"/>
           </a:p>
@@ -2908,7 +2915,7 @@
           <a:p>
             <a:fld id="{87632216-C3EA-47B8-9A8D-E1132076DE3C}" type="datetimeFigureOut">
               <a:rPr lang="zh-TW" altLang="en-US" smtClean="0"/>
-              <a:t>2022/3/27</a:t>
+              <a:t>2022/4/21</a:t>
             </a:fld>
             <a:endParaRPr lang="zh-TW" altLang="en-US"/>
           </a:p>
@@ -3499,6 +3506,42 @@
           </a:prstGeom>
         </p:spPr>
       </p:pic>
+      <p:sp>
+        <p:nvSpPr>
+          <p:cNvPr id="2" name="文字方塊 1">
+            <a:extLst>
+              <a:ext uri="{FF2B5EF4-FFF2-40B4-BE49-F238E27FC236}">
+                <a16:creationId xmlns:a16="http://schemas.microsoft.com/office/drawing/2014/main" id="{F40A650C-A56F-4151-B4B2-DE0F3D04B841}"/>
+              </a:ext>
+            </a:extLst>
+          </p:cNvPr>
+          <p:cNvSpPr txBox="1"/>
+          <p:nvPr/>
+        </p:nvSpPr>
+        <p:spPr>
+          <a:xfrm>
+            <a:off x="103695" y="122548"/>
+            <a:ext cx="2048959" cy="369332"/>
+          </a:xfrm>
+          <a:prstGeom prst="rect">
+            <a:avLst/>
+          </a:prstGeom>
+          <a:noFill/>
+        </p:spPr>
+        <p:txBody>
+          <a:bodyPr wrap="none" rtlCol="0">
+            <a:spAutoFit/>
+          </a:bodyPr>
+          <a:lstStyle/>
+          <a:p>
+            <a:r>
+              <a:rPr lang="en-US" altLang="zh-TW" dirty="0"/>
+              <a:t>Random seed: 1025</a:t>
+            </a:r>
+            <a:endParaRPr lang="zh-TW" altLang="en-US" dirty="0"/>
+          </a:p>
+        </p:txBody>
+      </p:sp>
     </p:spTree>
     <p:extLst>
       <p:ext uri="{BB962C8B-B14F-4D97-AF65-F5344CB8AC3E}">
@@ -3529,6 +3572,144 @@
           <a:chExt cx="0" cy="0"/>
         </a:xfrm>
       </p:grpSpPr>
+      <p:sp>
+        <p:nvSpPr>
+          <p:cNvPr id="4" name="文字方塊 3">
+            <a:extLst>
+              <a:ext uri="{FF2B5EF4-FFF2-40B4-BE49-F238E27FC236}">
+                <a16:creationId xmlns:a16="http://schemas.microsoft.com/office/drawing/2014/main" id="{3A9D49F3-64A8-4A76-BB90-4162319C6C0D}"/>
+              </a:ext>
+            </a:extLst>
+          </p:cNvPr>
+          <p:cNvSpPr txBox="1"/>
+          <p:nvPr/>
+        </p:nvSpPr>
+        <p:spPr>
+          <a:xfrm>
+            <a:off x="103695" y="122548"/>
+            <a:ext cx="2744854" cy="369332"/>
+          </a:xfrm>
+          <a:prstGeom prst="rect">
+            <a:avLst/>
+          </a:prstGeom>
+          <a:noFill/>
+        </p:spPr>
+        <p:txBody>
+          <a:bodyPr wrap="none" rtlCol="0">
+            <a:spAutoFit/>
+          </a:bodyPr>
+          <a:lstStyle/>
+          <a:p>
+            <a:r>
+              <a:rPr lang="en-US" altLang="zh-TW" dirty="0"/>
+              <a:t>Random seed: 1025 (ver. 2)</a:t>
+            </a:r>
+            <a:endParaRPr lang="zh-TW" altLang="en-US" dirty="0"/>
+          </a:p>
+        </p:txBody>
+      </p:sp>
+      <p:pic>
+        <p:nvPicPr>
+          <p:cNvPr id="6" name="圖片 5">
+            <a:extLst>
+              <a:ext uri="{FF2B5EF4-FFF2-40B4-BE49-F238E27FC236}">
+                <a16:creationId xmlns:a16="http://schemas.microsoft.com/office/drawing/2014/main" id="{6CC2FF21-8B53-4BF3-BF63-2BAE88C1CE5F}"/>
+              </a:ext>
+            </a:extLst>
+          </p:cNvPr>
+          <p:cNvPicPr>
+            <a:picLocks noChangeAspect="1"/>
+          </p:cNvPicPr>
+          <p:nvPr/>
+        </p:nvPicPr>
+        <p:blipFill>
+          <a:blip r:embed="rId2">
+            <a:extLst>
+              <a:ext uri="{28A0092B-C50C-407E-A947-70E740481C1C}">
+                <a14:useLocalDpi xmlns:a14="http://schemas.microsoft.com/office/drawing/2010/main" val="0"/>
+              </a:ext>
+            </a:extLst>
+          </a:blip>
+          <a:stretch>
+            <a:fillRect/>
+          </a:stretch>
+        </p:blipFill>
+        <p:spPr>
+          <a:xfrm>
+            <a:off x="103695" y="3878546"/>
+            <a:ext cx="12192000" cy="3386666"/>
+          </a:xfrm>
+          <a:prstGeom prst="rect">
+            <a:avLst/>
+          </a:prstGeom>
+        </p:spPr>
+      </p:pic>
+      <p:pic>
+        <p:nvPicPr>
+          <p:cNvPr id="8" name="圖片 7">
+            <a:extLst>
+              <a:ext uri="{FF2B5EF4-FFF2-40B4-BE49-F238E27FC236}">
+                <a16:creationId xmlns:a16="http://schemas.microsoft.com/office/drawing/2014/main" id="{EA3365A5-C7AE-4289-929F-545BED3D73A6}"/>
+              </a:ext>
+            </a:extLst>
+          </p:cNvPr>
+          <p:cNvPicPr>
+            <a:picLocks noChangeAspect="1"/>
+          </p:cNvPicPr>
+          <p:nvPr/>
+        </p:nvPicPr>
+        <p:blipFill>
+          <a:blip r:embed="rId3">
+            <a:extLst>
+              <a:ext uri="{28A0092B-C50C-407E-A947-70E740481C1C}">
+                <a14:useLocalDpi xmlns:a14="http://schemas.microsoft.com/office/drawing/2010/main" val="0"/>
+              </a:ext>
+            </a:extLst>
+          </a:blip>
+          <a:stretch>
+            <a:fillRect/>
+          </a:stretch>
+        </p:blipFill>
+        <p:spPr>
+          <a:xfrm>
+            <a:off x="103695" y="491880"/>
+            <a:ext cx="12192000" cy="3386666"/>
+          </a:xfrm>
+          <a:prstGeom prst="rect">
+            <a:avLst/>
+          </a:prstGeom>
+        </p:spPr>
+      </p:pic>
+    </p:spTree>
+    <p:extLst>
+      <p:ext uri="{BB962C8B-B14F-4D97-AF65-F5344CB8AC3E}">
+        <p14:creationId xmlns:p14="http://schemas.microsoft.com/office/powerpoint/2010/main" val="2043961735"/>
+      </p:ext>
+    </p:extLst>
+  </p:cSld>
+  <p:clrMapOvr>
+    <a:masterClrMapping/>
+  </p:clrMapOvr>
+</p:sld>
+</file>
+
+<file path=ppt/slides/slide4.xml><?xml version="1.0" encoding="utf-8"?>
+<p:sld xmlns:a="http://schemas.openxmlformats.org/drawingml/2006/main" xmlns:r="http://schemas.openxmlformats.org/officeDocument/2006/relationships" xmlns:p="http://schemas.openxmlformats.org/presentationml/2006/main">
+  <p:cSld>
+    <p:spTree>
+      <p:nvGrpSpPr>
+        <p:cNvPr id="1" name=""/>
+        <p:cNvGrpSpPr/>
+        <p:nvPr/>
+      </p:nvGrpSpPr>
+      <p:grpSpPr>
+        <a:xfrm>
+          <a:off x="0" y="0"/>
+          <a:ext cx="0" cy="0"/>
+          <a:chOff x="0" y="0"/>
+          <a:chExt cx="0" cy="0"/>
+        </a:xfrm>
+      </p:grpSpPr>
       <p:pic>
         <p:nvPicPr>
           <p:cNvPr id="5" name="圖片 4">
@@ -3614,7 +3795,7 @@
 </p:sld>
 </file>
 
-<file path=ppt/slides/slide4.xml><?xml version="1.0" encoding="utf-8"?>
+<file path=ppt/slides/slide5.xml><?xml version="1.0" encoding="utf-8"?>
 <p:sld xmlns:a="http://schemas.openxmlformats.org/drawingml/2006/main" xmlns:r="http://schemas.openxmlformats.org/officeDocument/2006/relationships" xmlns:p="http://schemas.openxmlformats.org/presentationml/2006/main">
   <p:cSld>
     <p:spTree>
@@ -3674,7 +3855,7 @@
 </p:sld>
 </file>
 
-<file path=ppt/slides/slide5.xml><?xml version="1.0" encoding="utf-8"?>
+<file path=ppt/slides/slide6.xml><?xml version="1.0" encoding="utf-8"?>
 <p:sld xmlns:a="http://schemas.openxmlformats.org/drawingml/2006/main" xmlns:r="http://schemas.openxmlformats.org/officeDocument/2006/relationships" xmlns:p="http://schemas.openxmlformats.org/presentationml/2006/main">
   <p:cSld>
     <p:spTree>
@@ -3773,6 +3954,168 @@
     <p:extLst>
       <p:ext uri="{BB962C8B-B14F-4D97-AF65-F5344CB8AC3E}">
         <p14:creationId xmlns:p14="http://schemas.microsoft.com/office/powerpoint/2010/main" val="3149224947"/>
+      </p:ext>
+    </p:extLst>
+  </p:cSld>
+  <p:clrMapOvr>
+    <a:masterClrMapping/>
+  </p:clrMapOvr>
+</p:sld>
+</file>
+
+<file path=ppt/slides/slide7.xml><?xml version="1.0" encoding="utf-8"?>
+<p:sld xmlns:a="http://schemas.openxmlformats.org/drawingml/2006/main" xmlns:r="http://schemas.openxmlformats.org/officeDocument/2006/relationships" xmlns:p="http://schemas.openxmlformats.org/presentationml/2006/main">
+  <p:cSld>
+    <p:spTree>
+      <p:nvGrpSpPr>
+        <p:cNvPr id="1" name=""/>
+        <p:cNvGrpSpPr/>
+        <p:nvPr/>
+      </p:nvGrpSpPr>
+      <p:grpSpPr>
+        <a:xfrm>
+          <a:off x="0" y="0"/>
+          <a:ext cx="0" cy="0"/>
+          <a:chOff x="0" y="0"/>
+          <a:chExt cx="0" cy="0"/>
+        </a:xfrm>
+      </p:grpSpPr>
+      <p:pic>
+        <p:nvPicPr>
+          <p:cNvPr id="5" name="圖片 4">
+            <a:extLst>
+              <a:ext uri="{FF2B5EF4-FFF2-40B4-BE49-F238E27FC236}">
+                <a16:creationId xmlns:a16="http://schemas.microsoft.com/office/drawing/2014/main" id="{D40057A8-54DD-4BE9-A9D4-B13A19450E50}"/>
+              </a:ext>
+            </a:extLst>
+          </p:cNvPr>
+          <p:cNvPicPr>
+            <a:picLocks noChangeAspect="1"/>
+          </p:cNvPicPr>
+          <p:nvPr/>
+        </p:nvPicPr>
+        <p:blipFill>
+          <a:blip r:embed="rId2"/>
+          <a:stretch>
+            <a:fillRect/>
+          </a:stretch>
+        </p:blipFill>
+        <p:spPr>
+          <a:xfrm>
+            <a:off x="-360876" y="-1039250"/>
+            <a:ext cx="6456876" cy="3814261"/>
+          </a:xfrm>
+          <a:prstGeom prst="rect">
+            <a:avLst/>
+          </a:prstGeom>
+        </p:spPr>
+      </p:pic>
+      <p:pic>
+        <p:nvPicPr>
+          <p:cNvPr id="6" name="圖片 5">
+            <a:extLst>
+              <a:ext uri="{FF2B5EF4-FFF2-40B4-BE49-F238E27FC236}">
+                <a16:creationId xmlns:a16="http://schemas.microsoft.com/office/drawing/2014/main" id="{A8026DBF-CB93-4F36-8B97-0812D4B7C428}"/>
+              </a:ext>
+            </a:extLst>
+          </p:cNvPr>
+          <p:cNvPicPr>
+            <a:picLocks noChangeAspect="1"/>
+          </p:cNvPicPr>
+          <p:nvPr/>
+        </p:nvPicPr>
+        <p:blipFill>
+          <a:blip r:embed="rId3"/>
+          <a:stretch>
+            <a:fillRect/>
+          </a:stretch>
+        </p:blipFill>
+        <p:spPr>
+          <a:xfrm>
+            <a:off x="-360876" y="2775011"/>
+            <a:ext cx="6456876" cy="3884484"/>
+          </a:xfrm>
+          <a:prstGeom prst="rect">
+            <a:avLst/>
+          </a:prstGeom>
+        </p:spPr>
+      </p:pic>
+      <p:pic>
+        <p:nvPicPr>
+          <p:cNvPr id="8" name="圖片 7">
+            <a:extLst>
+              <a:ext uri="{FF2B5EF4-FFF2-40B4-BE49-F238E27FC236}">
+                <a16:creationId xmlns:a16="http://schemas.microsoft.com/office/drawing/2014/main" id="{839BC10C-9A0D-4EF4-B8CD-4D2AF17285DA}"/>
+              </a:ext>
+            </a:extLst>
+          </p:cNvPr>
+          <p:cNvPicPr>
+            <a:picLocks noChangeAspect="1"/>
+          </p:cNvPicPr>
+          <p:nvPr/>
+        </p:nvPicPr>
+        <p:blipFill>
+          <a:blip r:embed="rId4">
+            <a:extLst>
+              <a:ext uri="{28A0092B-C50C-407E-A947-70E740481C1C}">
+                <a14:useLocalDpi xmlns:a14="http://schemas.microsoft.com/office/drawing/2010/main" val="0"/>
+              </a:ext>
+            </a:extLst>
+          </a:blip>
+          <a:stretch>
+            <a:fillRect/>
+          </a:stretch>
+        </p:blipFill>
+        <p:spPr>
+          <a:xfrm>
+            <a:off x="6096000" y="-1039250"/>
+            <a:ext cx="5411365" cy="3814261"/>
+          </a:xfrm>
+          <a:prstGeom prst="rect">
+            <a:avLst/>
+          </a:prstGeom>
+        </p:spPr>
+      </p:pic>
+      <p:pic>
+        <p:nvPicPr>
+          <p:cNvPr id="10" name="圖片 9">
+            <a:extLst>
+              <a:ext uri="{FF2B5EF4-FFF2-40B4-BE49-F238E27FC236}">
+                <a16:creationId xmlns:a16="http://schemas.microsoft.com/office/drawing/2014/main" id="{A6D33E7B-A4EB-47C3-97D2-733802AED923}"/>
+              </a:ext>
+            </a:extLst>
+          </p:cNvPr>
+          <p:cNvPicPr>
+            <a:picLocks noChangeAspect="1"/>
+          </p:cNvPicPr>
+          <p:nvPr/>
+        </p:nvPicPr>
+        <p:blipFill>
+          <a:blip r:embed="rId5">
+            <a:extLst>
+              <a:ext uri="{28A0092B-C50C-407E-A947-70E740481C1C}">
+                <a14:useLocalDpi xmlns:a14="http://schemas.microsoft.com/office/drawing/2010/main" val="0"/>
+              </a:ext>
+            </a:extLst>
+          </a:blip>
+          <a:stretch>
+            <a:fillRect/>
+          </a:stretch>
+        </p:blipFill>
+        <p:spPr>
+          <a:xfrm>
+            <a:off x="6095999" y="2775011"/>
+            <a:ext cx="5411365" cy="3814261"/>
+          </a:xfrm>
+          <a:prstGeom prst="rect">
+            <a:avLst/>
+          </a:prstGeom>
+        </p:spPr>
+      </p:pic>
+    </p:spTree>
+    <p:extLst>
+      <p:ext uri="{BB962C8B-B14F-4D97-AF65-F5344CB8AC3E}">
+        <p14:creationId xmlns:p14="http://schemas.microsoft.com/office/powerpoint/2010/main" val="662485574"/>
       </p:ext>
     </p:extLst>
   </p:cSld>
